--- a/docs/Final-Presentaion.pptx
+++ b/docs/Final-Presentaion.pptx
@@ -401,6 +401,11 @@
         </p:txBody>
       </p:sp>
     </p:spTree>
+    <p:extLst>
+      <p:ext uri="{BB962C8B-B14F-4D97-AF65-F5344CB8AC3E}">
+        <p14:creationId xmlns:p14="http://schemas.microsoft.com/office/powerpoint/2010/main" val="1077880002"/>
+      </p:ext>
+    </p:extLst>
   </p:cSld>
   <p:clrMap bg1="lt1" tx1="dk1" bg2="lt2" tx2="dk2" accent1="accent1" accent2="accent2" accent3="accent3" accent4="accent4" accent5="accent5" accent6="accent6" hlink="hlink" folHlink="folHlink"/>
   <p:notesStyle>
@@ -581,6 +586,11 @@
         </p:txBody>
       </p:sp>
     </p:spTree>
+    <p:extLst>
+      <p:ext uri="{BB962C8B-B14F-4D97-AF65-F5344CB8AC3E}">
+        <p14:creationId xmlns:p14="http://schemas.microsoft.com/office/powerpoint/2010/main" val="1266543346"/>
+      </p:ext>
+    </p:extLst>
   </p:cSld>
   <p:clrMapOvr>
     <a:masterClrMapping/>
@@ -670,6 +680,11 @@
         </p:txBody>
       </p:sp>
     </p:spTree>
+    <p:extLst>
+      <p:ext uri="{BB962C8B-B14F-4D97-AF65-F5344CB8AC3E}">
+        <p14:creationId xmlns:p14="http://schemas.microsoft.com/office/powerpoint/2010/main" val="4164710767"/>
+      </p:ext>
+    </p:extLst>
   </p:cSld>
   <p:clrMapOvr>
     <a:masterClrMapping/>
@@ -759,6 +774,11 @@
         </p:txBody>
       </p:sp>
     </p:spTree>
+    <p:extLst>
+      <p:ext uri="{BB962C8B-B14F-4D97-AF65-F5344CB8AC3E}">
+        <p14:creationId xmlns:p14="http://schemas.microsoft.com/office/powerpoint/2010/main" val="1463679475"/>
+      </p:ext>
+    </p:extLst>
   </p:cSld>
   <p:clrMapOvr>
     <a:masterClrMapping/>
@@ -832,6 +852,11 @@
         </p:txBody>
       </p:sp>
     </p:spTree>
+    <p:extLst>
+      <p:ext uri="{BB962C8B-B14F-4D97-AF65-F5344CB8AC3E}">
+        <p14:creationId xmlns:p14="http://schemas.microsoft.com/office/powerpoint/2010/main" val="910901224"/>
+      </p:ext>
+    </p:extLst>
   </p:cSld>
   <p:clrMapOvr>
     <a:masterClrMapping/>
@@ -906,6 +931,11 @@
         </p:txBody>
       </p:sp>
     </p:spTree>
+    <p:extLst>
+      <p:ext uri="{BB962C8B-B14F-4D97-AF65-F5344CB8AC3E}">
+        <p14:creationId xmlns:p14="http://schemas.microsoft.com/office/powerpoint/2010/main" val="2818385954"/>
+      </p:ext>
+    </p:extLst>
   </p:cSld>
   <p:clrMapOvr>
     <a:masterClrMapping/>
@@ -1233,6 +1263,10 @@
             </a:endParaRPr>
           </a:p>
           <a:p>
+            <a:r>
+              <a:rPr lang="en-US" dirty="0"/>
+              <a:t/>
+            </a:r>
             <a:br>
               <a:rPr lang="en-US" dirty="0"/>
             </a:br>
@@ -1329,6 +1363,11 @@
         </p:txBody>
       </p:sp>
     </p:spTree>
+    <p:extLst>
+      <p:ext uri="{BB962C8B-B14F-4D97-AF65-F5344CB8AC3E}">
+        <p14:creationId xmlns:p14="http://schemas.microsoft.com/office/powerpoint/2010/main" val="3894577201"/>
+      </p:ext>
+    </p:extLst>
   </p:cSld>
   <p:clrMapOvr>
     <a:masterClrMapping/>
@@ -2958,7 +2997,7 @@
           </a:ln>
           <a:extLst>
             <a:ext uri="{C572A759-6A51-4108-AA02-DFA0A04FC94B}">
-              <ma14:wrappingTextBoxFlag xmlns:ma14="http://schemas.microsoft.com/office/mac/drawingml/2011/main" xmlns="" val="1"/>
+              <ma14:wrappingTextBoxFlag xmlns="" xmlns:ma14="http://schemas.microsoft.com/office/mac/drawingml/2011/main" val="1"/>
             </a:ext>
           </a:extLst>
         </p:spPr>
@@ -2997,7 +3036,7 @@
           </a:ln>
           <a:extLst>
             <a:ext uri="{C572A759-6A51-4108-AA02-DFA0A04FC94B}">
-              <ma14:wrappingTextBoxFlag xmlns:ma14="http://schemas.microsoft.com/office/mac/drawingml/2011/main" xmlns="" val="1"/>
+              <ma14:wrappingTextBoxFlag xmlns="" xmlns:ma14="http://schemas.microsoft.com/office/mac/drawingml/2011/main" val="1"/>
             </a:ext>
           </a:extLst>
         </p:spPr>
@@ -4134,8 +4173,12 @@
           </a:p>
           <a:p>
             <a:r>
+              <a:rPr lang="en-US" dirty="0" smtClean="0"/>
+              <a:t>It’s </a:t>
+            </a:r>
+            <a:r>
               <a:rPr lang="en-US" dirty="0"/>
-              <a:t>Its free to use</a:t>
+              <a:t>free to use</a:t>
             </a:r>
             <a:endParaRPr dirty="0"/>
           </a:p>

--- a/docs/Final-Presentaion.pptx
+++ b/docs/Final-Presentaion.pptx
@@ -5,16 +5,15 @@
     <p:sldMasterId id="2147483648" r:id="rId1"/>
   </p:sldMasterIdLst>
   <p:notesMasterIdLst>
-    <p:notesMasterId r:id="rId9"/>
+    <p:notesMasterId r:id="rId8"/>
   </p:notesMasterIdLst>
   <p:sldIdLst>
     <p:sldId id="256" r:id="rId2"/>
     <p:sldId id="257" r:id="rId3"/>
     <p:sldId id="258" r:id="rId4"/>
-    <p:sldId id="259" r:id="rId5"/>
-    <p:sldId id="260" r:id="rId6"/>
-    <p:sldId id="261" r:id="rId7"/>
-    <p:sldId id="262" r:id="rId8"/>
+    <p:sldId id="260" r:id="rId5"/>
+    <p:sldId id="261" r:id="rId6"/>
+    <p:sldId id="262" r:id="rId7"/>
   </p:sldIdLst>
   <p:sldSz cx="13004800" cy="9753600"/>
   <p:notesSz cx="6858000" cy="9144000"/>
@@ -805,84 +804,6 @@
       </p:grpSpPr>
       <p:sp>
         <p:nvSpPr>
-          <p:cNvPr id="148" name="Shape 148"/>
-          <p:cNvSpPr>
-            <a:spLocks noGrp="1" noRot="1" noChangeAspect="1"/>
-          </p:cNvSpPr>
-          <p:nvPr>
-            <p:ph type="sldImg"/>
-          </p:nvPr>
-        </p:nvSpPr>
-        <p:spPr>
-          <a:prstGeom prst="rect">
-            <a:avLst/>
-          </a:prstGeom>
-        </p:spPr>
-        <p:txBody>
-          <a:bodyPr/>
-          <a:lstStyle/>
-          <a:p>
-            <a:endParaRPr/>
-          </a:p>
-        </p:txBody>
-      </p:sp>
-      <p:sp>
-        <p:nvSpPr>
-          <p:cNvPr id="149" name="Shape 149"/>
-          <p:cNvSpPr>
-            <a:spLocks noGrp="1"/>
-          </p:cNvSpPr>
-          <p:nvPr>
-            <p:ph type="body" sz="quarter" idx="1"/>
-          </p:nvPr>
-        </p:nvSpPr>
-        <p:spPr>
-          <a:prstGeom prst="rect">
-            <a:avLst/>
-          </a:prstGeom>
-        </p:spPr>
-        <p:txBody>
-          <a:bodyPr/>
-          <a:lstStyle/>
-          <a:p>
-            <a:r>
-              <a:t>Feel free to tell the story of how the application was developed.</a:t>
-            </a:r>
-          </a:p>
-        </p:txBody>
-      </p:sp>
-    </p:spTree>
-    <p:extLst>
-      <p:ext uri="{BB962C8B-B14F-4D97-AF65-F5344CB8AC3E}">
-        <p14:creationId xmlns:p14="http://schemas.microsoft.com/office/powerpoint/2010/main" val="910901224"/>
-      </p:ext>
-    </p:extLst>
-  </p:cSld>
-  <p:clrMapOvr>
-    <a:masterClrMapping/>
-  </p:clrMapOvr>
-</p:notes>
-</file>
-
-<file path=ppt/notesSlides/notesSlide5.xml><?xml version="1.0" encoding="utf-8"?>
-<p:notes xmlns:a="http://schemas.openxmlformats.org/drawingml/2006/main" xmlns:r="http://schemas.openxmlformats.org/officeDocument/2006/relationships" xmlns:p="http://schemas.openxmlformats.org/presentationml/2006/main">
-  <p:cSld>
-    <p:spTree>
-      <p:nvGrpSpPr>
-        <p:cNvPr id="1" name=""/>
-        <p:cNvGrpSpPr/>
-        <p:nvPr/>
-      </p:nvGrpSpPr>
-      <p:grpSpPr>
-        <a:xfrm>
-          <a:off x="0" y="0"/>
-          <a:ext cx="0" cy="0"/>
-          <a:chOff x="0" y="0"/>
-          <a:chExt cx="0" cy="0"/>
-        </a:xfrm>
-      </p:grpSpPr>
-      <p:sp>
-        <p:nvSpPr>
           <p:cNvPr id="154" name="Shape 154"/>
           <p:cNvSpPr>
             <a:spLocks noGrp="1" noRot="1" noChangeAspect="1"/>
@@ -943,7 +864,7 @@
 </p:notes>
 </file>
 
-<file path=ppt/notesSlides/notesSlide6.xml><?xml version="1.0" encoding="utf-8"?>
+<file path=ppt/notesSlides/notesSlide5.xml><?xml version="1.0" encoding="utf-8"?>
 <p:notes xmlns:a="http://schemas.openxmlformats.org/drawingml/2006/main" xmlns:r="http://schemas.openxmlformats.org/officeDocument/2006/relationships" xmlns:p="http://schemas.openxmlformats.org/presentationml/2006/main">
   <p:cSld>
     <p:spTree>
@@ -1287,7 +1208,7 @@
 </p:notes>
 </file>
 
-<file path=ppt/notesSlides/notesSlide7.xml><?xml version="1.0" encoding="utf-8"?>
+<file path=ppt/notesSlides/notesSlide6.xml><?xml version="1.0" encoding="utf-8"?>
 <p:notes xmlns:a="http://schemas.openxmlformats.org/drawingml/2006/main" xmlns:r="http://schemas.openxmlformats.org/officeDocument/2006/relationships" xmlns:p="http://schemas.openxmlformats.org/presentationml/2006/main">
   <p:cSld>
     <p:spTree>
@@ -3968,10 +3889,10 @@
           <a:lstStyle/>
           <a:p>
             <a:r>
-              <a:rPr lang="en-US" dirty="0"/>
+              <a:rPr lang="en-US" b="1" dirty="0"/>
               <a:t>CUNY-BOOKS</a:t>
             </a:r>
-            <a:endParaRPr dirty="0"/>
+            <a:endParaRPr b="1" dirty="0"/>
           </a:p>
         </p:txBody>
       </p:sp>
@@ -4087,6 +4008,13 @@
     <a:masterClrMapping/>
   </p:clrMapOvr>
   <p:transition spd="med"/>
+  <p:timing>
+    <p:tnLst>
+      <p:par>
+        <p:cTn id="1" dur="indefinite" restart="never" nodeType="tmRoot"/>
+      </p:par>
+    </p:tnLst>
+  </p:timing>
 </p:sld>
 </file>
 
@@ -4123,7 +4051,9 @@
           </a:prstGeom>
         </p:spPr>
         <p:txBody>
-          <a:bodyPr/>
+          <a:bodyPr>
+            <a:normAutofit fontScale="90000"/>
+          </a:bodyPr>
           <a:lstStyle/>
           <a:p>
             <a:r>
@@ -4190,6 +4120,13 @@
     <a:masterClrMapping/>
   </p:clrMapOvr>
   <p:transition spd="slow"/>
+  <p:timing>
+    <p:tnLst>
+      <p:par>
+        <p:cTn id="1" dur="indefinite" restart="never" nodeType="tmRoot"/>
+      </p:par>
+    </p:tnLst>
+  </p:timing>
 </p:sld>
 </file>
 
@@ -4255,7 +4192,7 @@
         </p:blipFill>
         <p:spPr>
           <a:xfrm>
-            <a:off x="337644" y="6433313"/>
+            <a:off x="1368437" y="6189191"/>
             <a:ext cx="2772377" cy="1503578"/>
           </a:xfrm>
           <a:prstGeom prst="rect">
@@ -4284,7 +4221,7 @@
         </p:blipFill>
         <p:spPr>
           <a:xfrm>
-            <a:off x="4056005" y="6908863"/>
+            <a:off x="5078248" y="6893065"/>
             <a:ext cx="2264072" cy="552478"/>
           </a:xfrm>
           <a:prstGeom prst="rect">
@@ -4311,7 +4248,7 @@
         </p:blipFill>
         <p:spPr>
           <a:xfrm>
-            <a:off x="952500" y="2860802"/>
+            <a:off x="1693805" y="2860802"/>
             <a:ext cx="2362200" cy="1933575"/>
           </a:xfrm>
           <a:prstGeom prst="rect">
@@ -4335,7 +4272,7 @@
         </p:blipFill>
         <p:spPr>
           <a:xfrm>
-            <a:off x="3791270" y="2887726"/>
+            <a:off x="5309201" y="2887726"/>
             <a:ext cx="1971675" cy="2314575"/>
           </a:xfrm>
           <a:prstGeom prst="rect">
@@ -4359,7 +4296,7 @@
         </p:blipFill>
         <p:spPr>
           <a:xfrm>
-            <a:off x="7133176" y="3244913"/>
+            <a:off x="8534072" y="3194177"/>
             <a:ext cx="2857500" cy="1600200"/>
           </a:xfrm>
           <a:prstGeom prst="rect">
@@ -4383,7 +4320,7 @@
         </p:blipFill>
         <p:spPr>
           <a:xfrm>
-            <a:off x="8211198" y="6433313"/>
+            <a:off x="9220848" y="6166889"/>
             <a:ext cx="1483948" cy="1483948"/>
           </a:xfrm>
           <a:prstGeom prst="rect">
@@ -4397,135 +4334,17 @@
     <a:masterClrMapping/>
   </p:clrMapOvr>
   <p:transition spd="slow"/>
+  <p:timing>
+    <p:tnLst>
+      <p:par>
+        <p:cTn id="1" dur="indefinite" restart="never" nodeType="tmRoot"/>
+      </p:par>
+    </p:tnLst>
+  </p:timing>
 </p:sld>
 </file>
 
 <file path=ppt/slides/slide4.xml><?xml version="1.0" encoding="utf-8"?>
-<p:sld xmlns:a="http://schemas.openxmlformats.org/drawingml/2006/main" xmlns:r="http://schemas.openxmlformats.org/officeDocument/2006/relationships" xmlns:p="http://schemas.openxmlformats.org/presentationml/2006/main">
-  <p:cSld>
-    <p:spTree>
-      <p:nvGrpSpPr>
-        <p:cNvPr id="1" name=""/>
-        <p:cNvGrpSpPr/>
-        <p:nvPr/>
-      </p:nvGrpSpPr>
-      <p:grpSpPr>
-        <a:xfrm>
-          <a:off x="0" y="0"/>
-          <a:ext cx="0" cy="0"/>
-          <a:chOff x="0" y="0"/>
-          <a:chExt cx="0" cy="0"/>
-        </a:xfrm>
-      </p:grpSpPr>
-      <p:pic>
-        <p:nvPicPr>
-          <p:cNvPr id="145" name="pasted-image.png"/>
-          <p:cNvPicPr>
-            <a:picLocks noGrp="1" noChangeAspect="1"/>
-          </p:cNvPicPr>
-          <p:nvPr>
-            <p:ph type="pic" idx="13"/>
-          </p:nvPr>
-        </p:nvPicPr>
-        <p:blipFill>
-          <a:blip r:embed="rId3">
-            <a:extLst/>
-          </a:blip>
-          <a:srcRect l="3333" r="3333"/>
-          <a:stretch>
-            <a:fillRect/>
-          </a:stretch>
-        </p:blipFill>
-        <p:spPr>
-          <a:xfrm>
-            <a:off x="5473700" y="2603500"/>
-            <a:ext cx="7823200" cy="6286500"/>
-          </a:xfrm>
-          <a:prstGeom prst="rect">
-            <a:avLst/>
-          </a:prstGeom>
-        </p:spPr>
-      </p:pic>
-      <p:sp>
-        <p:nvSpPr>
-          <p:cNvPr id="146" name="Shape 146"/>
-          <p:cNvSpPr>
-            <a:spLocks noGrp="1"/>
-          </p:cNvSpPr>
-          <p:nvPr>
-            <p:ph type="title"/>
-          </p:nvPr>
-        </p:nvSpPr>
-        <p:spPr>
-          <a:prstGeom prst="rect">
-            <a:avLst/>
-          </a:prstGeom>
-        </p:spPr>
-        <p:txBody>
-          <a:bodyPr/>
-          <a:lstStyle/>
-          <a:p>
-            <a:r>
-              <a:t>[Work Done]</a:t>
-            </a:r>
-          </a:p>
-        </p:txBody>
-      </p:sp>
-      <p:sp>
-        <p:nvSpPr>
-          <p:cNvPr id="147" name="Shape 147"/>
-          <p:cNvSpPr>
-            <a:spLocks noGrp="1"/>
-          </p:cNvSpPr>
-          <p:nvPr>
-            <p:ph type="body" sz="half" idx="1"/>
-          </p:nvPr>
-        </p:nvSpPr>
-        <p:spPr>
-          <a:xfrm>
-            <a:off x="952500" y="2603500"/>
-            <a:ext cx="4660900" cy="6286500"/>
-          </a:xfrm>
-          <a:prstGeom prst="rect">
-            <a:avLst/>
-          </a:prstGeom>
-        </p:spPr>
-        <p:txBody>
-          <a:bodyPr/>
-          <a:lstStyle/>
-          <a:p>
-            <a:r>
-              <a:t>Mockups</a:t>
-            </a:r>
-          </a:p>
-          <a:p>
-            <a:pPr lvl="1"/>
-            <a:r>
-              <a:t>UI/UX flow</a:t>
-            </a:r>
-          </a:p>
-          <a:p>
-            <a:r>
-              <a:t>Data Schemas</a:t>
-            </a:r>
-          </a:p>
-          <a:p>
-            <a:r>
-              <a:t>What were your constraints/tradeoffs?</a:t>
-            </a:r>
-          </a:p>
-        </p:txBody>
-      </p:sp>
-    </p:spTree>
-  </p:cSld>
-  <p:clrMapOvr>
-    <a:masterClrMapping/>
-  </p:clrMapOvr>
-  <p:transition spd="slow"/>
-</p:sld>
-</file>
-
-<file path=ppt/slides/slide5.xml><?xml version="1.0" encoding="utf-8"?>
 <p:sld xmlns:a="http://schemas.openxmlformats.org/drawingml/2006/main" xmlns:r="http://schemas.openxmlformats.org/officeDocument/2006/relationships" xmlns:p="http://schemas.openxmlformats.org/presentationml/2006/main">
   <p:cSld>
     <p:spTree>
@@ -4585,8 +4404,8 @@
           <a:lstStyle/>
           <a:p>
             <a:r>
-              <a:rPr lang="en-US" dirty="0">
-                <a:hlinkClick r:id="rId3" action="ppaction://hlinkfile"/>
+              <a:rPr lang="en-US" dirty="0" smtClean="0">
+                <a:hlinkClick r:id="rId3"/>
               </a:rPr>
               <a:t>Live Demo</a:t>
             </a:r>
@@ -4630,10 +4449,17 @@
     <a:masterClrMapping/>
   </p:clrMapOvr>
   <p:transition spd="slow"/>
+  <p:timing>
+    <p:tnLst>
+      <p:par>
+        <p:cTn id="1" dur="indefinite" restart="never" nodeType="tmRoot"/>
+      </p:par>
+    </p:tnLst>
+  </p:timing>
 </p:sld>
 </file>
 
-<file path=ppt/slides/slide6.xml><?xml version="1.0" encoding="utf-8"?>
+<file path=ppt/slides/slide5.xml><?xml version="1.0" encoding="utf-8"?>
 <p:sld xmlns:a="http://schemas.openxmlformats.org/drawingml/2006/main" xmlns:r="http://schemas.openxmlformats.org/officeDocument/2006/relationships" xmlns:p="http://schemas.openxmlformats.org/presentationml/2006/main">
   <p:cSld>
     <p:spTree>
@@ -4692,6 +4518,10 @@
           </p:nvPr>
         </p:nvSpPr>
         <p:spPr>
+          <a:xfrm>
+            <a:off x="952500" y="1524000"/>
+            <a:ext cx="11099800" cy="6286500"/>
+          </a:xfrm>
           <a:prstGeom prst="rect">
             <a:avLst/>
           </a:prstGeom>
@@ -4719,10 +4549,17 @@
     <a:masterClrMapping/>
   </p:clrMapOvr>
   <p:transition spd="slow"/>
+  <p:timing>
+    <p:tnLst>
+      <p:par>
+        <p:cTn id="1" dur="indefinite" restart="never" nodeType="tmRoot"/>
+      </p:par>
+    </p:tnLst>
+  </p:timing>
 </p:sld>
 </file>
 
-<file path=ppt/slides/slide7.xml><?xml version="1.0" encoding="utf-8"?>
+<file path=ppt/slides/slide6.xml><?xml version="1.0" encoding="utf-8"?>
 <p:sld xmlns:a="http://schemas.openxmlformats.org/drawingml/2006/main" xmlns:r="http://schemas.openxmlformats.org/officeDocument/2006/relationships" xmlns:p="http://schemas.openxmlformats.org/presentationml/2006/main">
   <p:cSld>
     <p:spTree>
@@ -4751,7 +4588,7 @@
         </p:nvSpPr>
         <p:spPr>
           <a:xfrm>
-            <a:off x="774699" y="2857500"/>
+            <a:off x="1189057" y="1683261"/>
             <a:ext cx="5689601" cy="1422400"/>
           </a:xfrm>
           <a:prstGeom prst="rect">
@@ -4767,10 +4604,10 @@
           </a:lstStyle>
           <a:p>
             <a:r>
-              <a:rPr lang="en-US" dirty="0"/>
+              <a:rPr lang="en-US" b="1" dirty="0"/>
               <a:t>Team Members</a:t>
             </a:r>
-            <a:endParaRPr dirty="0"/>
+            <a:endParaRPr b="1" dirty="0"/>
           </a:p>
         </p:txBody>
       </p:sp>
@@ -4786,7 +4623,7 @@
         </p:nvSpPr>
         <p:spPr>
           <a:xfrm>
-            <a:off x="952499" y="4419600"/>
+            <a:off x="1189057" y="4194764"/>
             <a:ext cx="10245769" cy="4102100"/>
           </a:xfrm>
           <a:prstGeom prst="rect">
@@ -4799,25 +4636,38 @@
           <a:p>
             <a:pPr lvl="1" algn="just"/>
             <a:r>
+              <a:rPr lang="en-US" dirty="0" err="1"/>
+              <a:t>Asefaw</a:t>
+            </a:r>
+            <a:r>
               <a:rPr lang="en-US" dirty="0"/>
-              <a:t>Asefaw          </a:t>
-            </a:r>
-            <a:r>
-              <a:rPr lang="en-US" dirty="0">
+              <a:t>          </a:t>
+            </a:r>
+            <a:r>
+              <a:rPr lang="en-US" dirty="0" smtClean="0"/>
+              <a:t>  </a:t>
+            </a:r>
+            <a:r>
+              <a:rPr lang="en-US" dirty="0" smtClean="0">
                 <a:hlinkClick r:id="rId3"/>
               </a:rPr>
               <a:t>asefaw.mekuria@gmail.com</a:t>
             </a:r>
             <a:r>
+              <a:rPr lang="en-US" dirty="0" smtClean="0"/>
+              <a:t> </a:t>
+            </a:r>
+            <a:endParaRPr lang="en-US" dirty="0"/>
+          </a:p>
+          <a:p>
+            <a:pPr lvl="1" algn="just"/>
+            <a:r>
               <a:rPr lang="en-US" dirty="0"/>
-              <a:t> </a:t>
-            </a:r>
-          </a:p>
-          <a:p>
-            <a:pPr lvl="1" algn="just"/>
-            <a:r>
-              <a:rPr lang="en-US" dirty="0"/>
-              <a:t>Andy              </a:t>
+              <a:t>Andy             </a:t>
+            </a:r>
+            <a:r>
+              <a:rPr lang="en-US" dirty="0" smtClean="0"/>
+              <a:t>  </a:t>
             </a:r>
             <a:r>
               <a:rPr lang="en-US" dirty="0">
@@ -4852,11 +4702,15 @@
           <a:p>
             <a:pPr lvl="1" algn="just"/>
             <a:r>
+              <a:rPr lang="en-US" dirty="0" err="1"/>
+              <a:t>Yahya</a:t>
+            </a:r>
+            <a:r>
               <a:rPr lang="en-US" dirty="0"/>
-              <a:t>Yahya             </a:t>
-            </a:r>
-            <a:r>
-              <a:rPr lang="en-US" dirty="0">
+              <a:t>             </a:t>
+            </a:r>
+            <a:r>
+              <a:rPr lang="en-US" dirty="0" smtClean="0">
                 <a:hlinkClick r:id="rId6"/>
               </a:rPr>
               <a:t>YAHYA.MUSED@gmail.com</a:t>
@@ -4871,7 +4725,7 @@
       </p:sp>
       <p:pic>
         <p:nvPicPr>
-          <p:cNvPr id="163" name="pasted-image.png"/>
+          <p:cNvPr id="165" name="pasted-image.png"/>
           <p:cNvPicPr>
             <a:picLocks noChangeAspect="1"/>
           </p:cNvPicPr>
@@ -4887,8 +4741,8 @@
         </p:blipFill>
         <p:spPr>
           <a:xfrm>
-            <a:off x="2780779" y="8746069"/>
-            <a:ext cx="549998" cy="549998"/>
+            <a:off x="6936364" y="8801804"/>
+            <a:ext cx="849400" cy="460666"/>
           </a:xfrm>
           <a:prstGeom prst="rect">
             <a:avLst/>
@@ -4900,7 +4754,7 @@
       </p:pic>
       <p:pic>
         <p:nvPicPr>
-          <p:cNvPr id="165" name="pasted-image.png"/>
+          <p:cNvPr id="166" name="pasted-image.png"/>
           <p:cNvPicPr>
             <a:picLocks noChangeAspect="1"/>
           </p:cNvPicPr>
@@ -4916,8 +4770,8 @@
         </p:blipFill>
         <p:spPr>
           <a:xfrm>
-            <a:off x="6273446" y="8741759"/>
-            <a:ext cx="849400" cy="460666"/>
+            <a:off x="7850368" y="8882345"/>
+            <a:ext cx="1471231" cy="359009"/>
           </a:xfrm>
           <a:prstGeom prst="rect">
             <a:avLst/>
@@ -4929,36 +4783,31 @@
       </p:pic>
       <p:pic>
         <p:nvPicPr>
-          <p:cNvPr id="166" name="pasted-image.png"/>
+          <p:cNvPr id="16" name="Picture 15"/>
           <p:cNvPicPr>
             <a:picLocks noChangeAspect="1"/>
           </p:cNvPicPr>
           <p:nvPr/>
         </p:nvPicPr>
         <p:blipFill>
-          <a:blip r:embed="rId9">
-            <a:extLst/>
-          </a:blip>
+          <a:blip r:embed="rId9"/>
           <a:stretch>
             <a:fillRect/>
           </a:stretch>
         </p:blipFill>
         <p:spPr>
           <a:xfrm>
-            <a:off x="7114753" y="8792587"/>
-            <a:ext cx="1471231" cy="359009"/>
+            <a:off x="3929055" y="8616773"/>
+            <a:ext cx="562877" cy="704951"/>
           </a:xfrm>
           <a:prstGeom prst="rect">
             <a:avLst/>
           </a:prstGeom>
-          <a:ln w="12700">
-            <a:miter lim="400000"/>
-          </a:ln>
         </p:spPr>
       </p:pic>
       <p:pic>
         <p:nvPicPr>
-          <p:cNvPr id="16" name="Picture 15"/>
+          <p:cNvPr id="17" name="Picture 16"/>
           <p:cNvPicPr>
             <a:picLocks noChangeAspect="1"/>
           </p:cNvPicPr>
@@ -4972,8 +4821,8 @@
         </p:blipFill>
         <p:spPr>
           <a:xfrm>
-            <a:off x="3493615" y="8741684"/>
-            <a:ext cx="562877" cy="460742"/>
+            <a:off x="4722097" y="8620185"/>
+            <a:ext cx="631627" cy="741475"/>
           </a:xfrm>
           <a:prstGeom prst="rect">
             <a:avLst/>
@@ -4982,7 +4831,7 @@
       </p:pic>
       <p:pic>
         <p:nvPicPr>
-          <p:cNvPr id="17" name="Picture 16"/>
+          <p:cNvPr id="18" name="Picture 17"/>
           <p:cNvPicPr>
             <a:picLocks noChangeAspect="1"/>
           </p:cNvPicPr>
@@ -4996,31 +4845,7 @@
         </p:blipFill>
         <p:spPr>
           <a:xfrm>
-            <a:off x="4353854" y="8661400"/>
-            <a:ext cx="631627" cy="741475"/>
-          </a:xfrm>
-          <a:prstGeom prst="rect">
-            <a:avLst/>
-          </a:prstGeom>
-        </p:spPr>
-      </p:pic>
-      <p:pic>
-        <p:nvPicPr>
-          <p:cNvPr id="18" name="Picture 17"/>
-          <p:cNvPicPr>
-            <a:picLocks noChangeAspect="1"/>
-          </p:cNvPicPr>
-          <p:nvPr/>
-        </p:nvPicPr>
-        <p:blipFill>
-          <a:blip r:embed="rId12"/>
-          <a:stretch>
-            <a:fillRect/>
-          </a:stretch>
-        </p:blipFill>
-        <p:spPr>
-          <a:xfrm>
-            <a:off x="5183646" y="8726993"/>
+            <a:off x="5600144" y="8685779"/>
             <a:ext cx="1089800" cy="610288"/>
           </a:xfrm>
           <a:prstGeom prst="rect">
@@ -5034,6 +4859,13 @@
     <a:masterClrMapping/>
   </p:clrMapOvr>
   <p:transition spd="slow"/>
+  <p:timing>
+    <p:tnLst>
+      <p:par>
+        <p:cTn id="1" dur="indefinite" restart="never" nodeType="tmRoot"/>
+      </p:par>
+    </p:tnLst>
+  </p:timing>
 </p:sld>
 </file>
 
